--- a/Notes/Module 3 - Ethereum Basics.pptx
+++ b/Notes/Module 3 - Ethereum Basics.pptx
@@ -3129,7 +3129,7 @@
               <a:defRPr b="0"/>
             </a:pPr>
             <a:r>
-              <a:t>20 byte character strings (1 byte or 4 bits = 2 hexadecimal character)</a:t>
+              <a:t>20 byte character strings (1 byte = 8 bits = 2 hexadecimal character = 1 ASCII char)</a:t>
             </a:r>
           </a:p>
           <a:p>
